--- a/Software Engineering/PPT/03-Software-Engineering-Clean-Architecture.pptx
+++ b/Software Engineering/PPT/03-Software-Engineering-Clean-Architecture.pptx
@@ -845,7 +845,7 @@
           <a:p>
             <a:fld id="{92D506C5-104A-4644-8D89-8508D6D7EF05}" type="datetimeFigureOut">
               <a:rPr lang="en-US" smtClean="0"/>
-              <a:t>12/11/2024</a:t>
+              <a:t>12/12/2024</a:t>
             </a:fld>
             <a:endParaRPr lang="en-US"/>
           </a:p>
@@ -1096,7 +1096,7 @@
           <a:p>
             <a:fld id="{92D506C5-104A-4644-8D89-8508D6D7EF05}" type="datetimeFigureOut">
               <a:rPr lang="en-US" smtClean="0"/>
-              <a:t>12/11/2024</a:t>
+              <a:t>12/12/2024</a:t>
             </a:fld>
             <a:endParaRPr lang="en-US"/>
           </a:p>
@@ -1410,7 +1410,7 @@
           <a:p>
             <a:fld id="{92D506C5-104A-4644-8D89-8508D6D7EF05}" type="datetimeFigureOut">
               <a:rPr lang="en-US" smtClean="0"/>
-              <a:t>12/11/2024</a:t>
+              <a:t>12/12/2024</a:t>
             </a:fld>
             <a:endParaRPr lang="en-US"/>
           </a:p>
@@ -1751,7 +1751,7 @@
           <a:p>
             <a:fld id="{92D506C5-104A-4644-8D89-8508D6D7EF05}" type="datetimeFigureOut">
               <a:rPr lang="en-US" smtClean="0"/>
-              <a:t>12/11/2024</a:t>
+              <a:t>12/12/2024</a:t>
             </a:fld>
             <a:endParaRPr lang="en-US"/>
           </a:p>
@@ -2065,7 +2065,7 @@
           <a:p>
             <a:fld id="{92D506C5-104A-4644-8D89-8508D6D7EF05}" type="datetimeFigureOut">
               <a:rPr lang="en-US" smtClean="0"/>
-              <a:t>12/11/2024</a:t>
+              <a:t>12/12/2024</a:t>
             </a:fld>
             <a:endParaRPr lang="en-US"/>
           </a:p>
@@ -2458,7 +2458,7 @@
           <a:p>
             <a:fld id="{92D506C5-104A-4644-8D89-8508D6D7EF05}" type="datetimeFigureOut">
               <a:rPr lang="en-US" smtClean="0"/>
-              <a:t>12/11/2024</a:t>
+              <a:t>12/12/2024</a:t>
             </a:fld>
             <a:endParaRPr lang="en-US"/>
           </a:p>
@@ -2628,7 +2628,7 @@
           <a:p>
             <a:fld id="{92D506C5-104A-4644-8D89-8508D6D7EF05}" type="datetimeFigureOut">
               <a:rPr lang="en-US" smtClean="0"/>
-              <a:t>12/11/2024</a:t>
+              <a:t>12/12/2024</a:t>
             </a:fld>
             <a:endParaRPr lang="en-US"/>
           </a:p>
@@ -2808,7 +2808,7 @@
           <a:p>
             <a:fld id="{92D506C5-104A-4644-8D89-8508D6D7EF05}" type="datetimeFigureOut">
               <a:rPr lang="en-US" smtClean="0"/>
-              <a:t>12/11/2024</a:t>
+              <a:t>12/12/2024</a:t>
             </a:fld>
             <a:endParaRPr lang="en-US"/>
           </a:p>
@@ -2984,7 +2984,7 @@
           <a:p>
             <a:fld id="{92D506C5-104A-4644-8D89-8508D6D7EF05}" type="datetimeFigureOut">
               <a:rPr lang="en-US" smtClean="0"/>
-              <a:t>12/11/2024</a:t>
+              <a:t>12/12/2024</a:t>
             </a:fld>
             <a:endParaRPr lang="en-US"/>
           </a:p>
@@ -3231,7 +3231,7 @@
           <a:p>
             <a:fld id="{92D506C5-104A-4644-8D89-8508D6D7EF05}" type="datetimeFigureOut">
               <a:rPr lang="en-US" smtClean="0"/>
-              <a:t>12/11/2024</a:t>
+              <a:t>12/12/2024</a:t>
             </a:fld>
             <a:endParaRPr lang="en-US"/>
           </a:p>
@@ -3463,7 +3463,7 @@
           <a:p>
             <a:fld id="{92D506C5-104A-4644-8D89-8508D6D7EF05}" type="datetimeFigureOut">
               <a:rPr lang="en-US" smtClean="0"/>
-              <a:t>12/11/2024</a:t>
+              <a:t>12/12/2024</a:t>
             </a:fld>
             <a:endParaRPr lang="en-US"/>
           </a:p>
@@ -3837,7 +3837,7 @@
           <a:p>
             <a:fld id="{92D506C5-104A-4644-8D89-8508D6D7EF05}" type="datetimeFigureOut">
               <a:rPr lang="en-US" smtClean="0"/>
-              <a:t>12/11/2024</a:t>
+              <a:t>12/12/2024</a:t>
             </a:fld>
             <a:endParaRPr lang="en-US"/>
           </a:p>
@@ -3960,7 +3960,7 @@
           <a:p>
             <a:fld id="{92D506C5-104A-4644-8D89-8508D6D7EF05}" type="datetimeFigureOut">
               <a:rPr lang="en-US" smtClean="0"/>
-              <a:t>12/11/2024</a:t>
+              <a:t>12/12/2024</a:t>
             </a:fld>
             <a:endParaRPr lang="en-US"/>
           </a:p>
@@ -4055,7 +4055,7 @@
           <a:p>
             <a:fld id="{92D506C5-104A-4644-8D89-8508D6D7EF05}" type="datetimeFigureOut">
               <a:rPr lang="en-US" smtClean="0"/>
-              <a:t>12/11/2024</a:t>
+              <a:t>12/12/2024</a:t>
             </a:fld>
             <a:endParaRPr lang="en-US"/>
           </a:p>
@@ -4310,7 +4310,7 @@
           <a:p>
             <a:fld id="{92D506C5-104A-4644-8D89-8508D6D7EF05}" type="datetimeFigureOut">
               <a:rPr lang="en-US" smtClean="0"/>
-              <a:t>12/11/2024</a:t>
+              <a:t>12/12/2024</a:t>
             </a:fld>
             <a:endParaRPr lang="en-US"/>
           </a:p>
@@ -4573,7 +4573,7 @@
           <a:p>
             <a:fld id="{92D506C5-104A-4644-8D89-8508D6D7EF05}" type="datetimeFigureOut">
               <a:rPr lang="en-US" smtClean="0"/>
-              <a:t>12/11/2024</a:t>
+              <a:t>12/12/2024</a:t>
             </a:fld>
             <a:endParaRPr lang="en-US"/>
           </a:p>
@@ -5316,7 +5316,7 @@
           <a:p>
             <a:fld id="{92D506C5-104A-4644-8D89-8508D6D7EF05}" type="datetimeFigureOut">
               <a:rPr lang="en-US" smtClean="0"/>
-              <a:t>12/11/2024</a:t>
+              <a:t>12/12/2024</a:t>
             </a:fld>
             <a:endParaRPr lang="en-US"/>
           </a:p>
